--- a/container-apps/slides/container-apps.pptx
+++ b/container-apps/slides/container-apps.pptx
@@ -5713,10 +5713,10 @@
               <a:buNone/>
             </a:pPr>
             <a:r>
-              <a:rPr lang="en" sz="2000" dirty="0">
+              <a:rPr lang="en" sz="2000">
                 <a:latin typeface="Comic Sans MS" panose="030F0702030302020204" pitchFamily="66" charset="0"/>
               </a:rPr>
-              <a:t>23.05.2023</a:t>
+              <a:t>30.05.2023</a:t>
             </a:r>
             <a:endParaRPr lang="en-US" sz="2000" dirty="0">
               <a:latin typeface="Comic Sans MS" panose="030F0702030302020204" pitchFamily="66" charset="0"/>
